--- a/a11y-browser-coburn.pptx
+++ b/a11y-browser-coburn.pptx
@@ -7652,10 +7652,15 @@
             <p:ph type="ctrTitle"/>
           </p:nvPr>
         </p:nvSpPr>
-        <p:spPr/>
+        <p:spPr>
+          <a:xfrm>
+            <a:off x="2589213" y="708661"/>
+            <a:ext cx="8915399" cy="2628900"/>
+          </a:xfrm>
+        </p:spPr>
         <p:txBody>
           <a:bodyPr>
-            <a:normAutofit fontScale="90000"/>
+            <a:normAutofit/>
           </a:bodyPr>
           <a:lstStyle/>
           <a:p>
@@ -7690,8 +7695,8 @@
         </p:nvSpPr>
         <p:spPr>
           <a:xfrm>
-            <a:off x="2589213" y="4163209"/>
-            <a:ext cx="8915399" cy="1740453"/>
+            <a:off x="2589213" y="2948941"/>
+            <a:ext cx="8915399" cy="2954722"/>
           </a:xfrm>
         </p:spPr>
         <p:txBody>
@@ -7702,17 +7707,41 @@
           <a:p>
             <a:r>
               <a:rPr lang="en-US" b="1" dirty="0"/>
-              <a:t>Jeff Coburn</a:t>
-            </a:r>
-          </a:p>
-          <a:p>
+              <a:t>Jeff </a:t>
+            </a:r>
+            <a:r>
+              <a:rPr lang="en-US" b="1" dirty="0" smtClean="0"/>
+              <a:t>Coburn</a:t>
+            </a:r>
+          </a:p>
+          <a:p>
+            <a:pPr algn="r"/>
             <a:r>
               <a:rPr lang="en-US" b="1" dirty="0"/>
-              <a:t>Web Services </a:t>
-            </a:r>
+              <a:t>@</a:t>
+            </a:r>
+            <a:r>
+              <a:rPr lang="en-US" b="1" dirty="0" err="1"/>
+              <a:t>Coburnicus</a:t>
+            </a:r>
+            <a:endParaRPr lang="en-US" b="1" dirty="0"/>
+          </a:p>
+          <a:p>
+            <a:pPr algn="r"/>
+            <a:r>
+              <a:rPr lang="en-US" b="1" dirty="0" err="1"/>
+              <a:t>j</a:t>
+            </a:r>
+            <a:r>
+              <a:rPr lang="en-US" b="1" dirty="0" err="1" smtClean="0"/>
+              <a:t>eff.coburn@umb.edu</a:t>
+            </a:r>
+            <a:endParaRPr lang="en-US" b="1" dirty="0"/>
+          </a:p>
+          <a:p>
             <a:r>
               <a:rPr lang="en-US" b="1" dirty="0" smtClean="0"/>
-              <a:t>Manager</a:t>
+              <a:t>Web Services Manager</a:t>
             </a:r>
           </a:p>
           <a:p>
@@ -7759,6 +7788,20 @@
             <a:r>
               <a:rPr lang="en-US" b="1" dirty="0" smtClean="0"/>
               <a:t>Boston</a:t>
+            </a:r>
+          </a:p>
+          <a:p>
+            <a:r>
+              <a:rPr lang="en-US" dirty="0" smtClean="0">
+                <a:hlinkClick r:id="rId2"/>
+              </a:rPr>
+              <a:t>https</a:t>
+            </a:r>
+            <a:r>
+              <a:rPr lang="en-US" dirty="0">
+                <a:hlinkClick r:id="rId2"/>
+              </a:rPr>
+              <a:t>://github.com/coburnicus/browser-testing</a:t>
             </a:r>
             <a:endParaRPr lang="en-US" dirty="0"/>
           </a:p>
@@ -7773,7 +7816,7 @@
           <p:nvPr/>
         </p:nvPicPr>
         <p:blipFill>
-          <a:blip r:embed="rId2">
+          <a:blip r:embed="rId3">
             <a:extLst>
               <a:ext uri="{28A0092B-C50C-407E-A947-70E740481C1C}">
                 <a14:useLocalDpi xmlns:a14="http://schemas.microsoft.com/office/drawing/2010/main" val="0"/>
@@ -8963,19 +9006,44 @@
         </p:nvSpPr>
         <p:spPr>
           <a:xfrm>
-            <a:off x="2589212" y="2058750"/>
-            <a:ext cx="8915399" cy="787320"/>
+            <a:off x="2589212" y="480060"/>
+            <a:ext cx="8915399" cy="2366010"/>
           </a:xfrm>
         </p:spPr>
         <p:txBody>
-          <a:bodyPr/>
+          <a:bodyPr>
+            <a:normAutofit/>
+          </a:bodyPr>
           <a:lstStyle/>
           <a:p>
             <a:pPr algn="ctr"/>
             <a:r>
               <a:rPr lang="en-US" dirty="0" smtClean="0"/>
-              <a:t>LA FIN</a:t>
-            </a:r>
+              <a:t>Thank You</a:t>
+            </a:r>
+            <a:br>
+              <a:rPr lang="en-US" dirty="0" smtClean="0"/>
+            </a:br>
+            <a:r>
+              <a:rPr lang="en-US" dirty="0"/>
+              <a:t/>
+            </a:r>
+            <a:br>
+              <a:rPr lang="en-US" dirty="0"/>
+            </a:br>
+            <a:r>
+              <a:rPr lang="en-US" sz="2700" dirty="0">
+                <a:hlinkClick r:id="rId2"/>
+              </a:rPr>
+              <a:t>https://github.com/coburnicus/browser-testing</a:t>
+            </a:r>
+            <a:r>
+              <a:rPr lang="en-US" dirty="0"/>
+              <a:t/>
+            </a:r>
+            <a:br>
+              <a:rPr lang="en-US" dirty="0"/>
+            </a:br>
             <a:endParaRPr lang="en-US" dirty="0"/>
           </a:p>
         </p:txBody>
@@ -9059,7 +9127,7 @@
           <p:nvPr/>
         </p:nvPicPr>
         <p:blipFill>
-          <a:blip r:embed="rId2">
+          <a:blip r:embed="rId3">
             <a:extLst>
               <a:ext uri="{28A0092B-C50C-407E-A947-70E740481C1C}">
                 <a14:useLocalDpi xmlns:a14="http://schemas.microsoft.com/office/drawing/2010/main" val="0"/>

--- a/a11y-browser-coburn.pptx
+++ b/a11y-browser-coburn.pptx
@@ -8344,7 +8344,9 @@
         </p:nvSpPr>
         <p:spPr/>
         <p:txBody>
-          <a:bodyPr/>
+          <a:bodyPr>
+            <a:normAutofit fontScale="70000" lnSpcReduction="20000"/>
+          </a:bodyPr>
           <a:lstStyle/>
           <a:p>
             <a:r>
@@ -8353,8 +8355,26 @@
             </a:r>
             <a:r>
               <a:rPr lang="en-US" dirty="0"/>
-              <a:t>in Chrome and or Firefox</a:t>
-            </a:r>
+              <a:t>in Chrome and or </a:t>
+            </a:r>
+            <a:r>
+              <a:rPr lang="en-US" dirty="0" smtClean="0"/>
+              <a:t>Firefox</a:t>
+            </a:r>
+          </a:p>
+          <a:p>
+            <a:endParaRPr lang="en-US" dirty="0"/>
+          </a:p>
+          <a:p>
+            <a:r>
+              <a:rPr lang="en-US" dirty="0" smtClean="0"/>
+              <a:t>Start by running a </a:t>
+            </a:r>
+            <a:r>
+              <a:rPr lang="en-US" smtClean="0"/>
+              <a:t>general audit.</a:t>
+            </a:r>
+            <a:endParaRPr lang="en-US" dirty="0"/>
           </a:p>
         </p:txBody>
       </p:sp>
